--- a/Rasterrization.pptx
+++ b/Rasterrization.pptx
@@ -15505,15 +15505,19 @@
           <a:p>
             <a:r>
               <a:rPr lang="zh-CN" altLang="en-US"/>
-              <a:t>实践：</a:t>
-            </a:r>
-            <a:endParaRPr lang="zh-CN" altLang="en-US"/>
-          </a:p>
-          <a:p>
+              <a:t>实践</a:t>
+            </a:r>
             <a:r>
               <a:rPr lang="en-US" altLang="zh-CN"/>
-              <a:t>1.</a:t>
-            </a:r>
+              <a:t>1</a:t>
+            </a:r>
+            <a:r>
+              <a:rPr lang="zh-CN" altLang="en-US"/>
+              <a:t>：</a:t>
+            </a:r>
+            <a:endParaRPr lang="zh-CN" altLang="en-US"/>
+          </a:p>
+          <a:p>
             <a:r>
               <a:rPr lang="zh-CN" altLang="en-US"/>
               <a:t>第一个实践要求你在第二节的代码上进行修改，将第二节所得图片放大很多倍后，我们发现在图像边缘产生了锯齿现象，如何减缓这种问题？提示：在前面我们假设一个像素的位置为该像素对应方格中心点的位置，这就造成一个像素的颜色不能代表整个方格的颜色。一个直观且简单的方法是对一个像素所在方格采样四次（</a:t>
@@ -15566,7 +15570,15 @@
             </a:r>
             <a:r>
               <a:rPr lang="zh-CN" altLang="en-US"/>
-              <a:t>行左右，我给出的代码存储库链接中存放了实践</a:t>
+              <a:t>行左右，第一页</a:t>
+            </a:r>
+            <a:r>
+              <a:rPr lang="en-US" altLang="zh-CN"/>
+              <a:t>PPT</a:t>
+            </a:r>
+            <a:r>
+              <a:rPr lang="zh-CN" altLang="en-US"/>
+              <a:t>给出的代码存储库链接中存放了实践</a:t>
             </a:r>
             <a:r>
               <a:rPr lang="en-US" altLang="zh-CN"/>
@@ -20585,7 +20597,15 @@
           <a:p>
             <a:r>
               <a:rPr lang="zh-CN" altLang="en-US" sz="2400"/>
-              <a:t>这个实践要求你在第四节的代码上进行修改，实践内容为，绘制两个三角形，使它们组成一个矩形。注意三角形的顺序为顺时针排列。</a:t>
+              <a:t>这个实践要求你在第四节的代码上进行修改，实践内容为，绘制两个三角形，使它们组成一个矩形。注意三角形的顺序为顺时针排列。第一页</a:t>
+            </a:r>
+            <a:r>
+              <a:rPr lang="en-US" altLang="zh-CN" sz="2400"/>
+              <a:t>PPT</a:t>
+            </a:r>
+            <a:r>
+              <a:rPr lang="zh-CN" altLang="en-US" sz="2400"/>
+              <a:t>给出的</a:t>
             </a:r>
             <a:r>
               <a:rPr lang="zh-CN" altLang="en-US" sz="2400">

--- a/Rasterrization.pptx
+++ b/Rasterrization.pptx
@@ -27,14 +27,15 @@
     <p:sldId id="275" r:id="rId22"/>
     <p:sldId id="276" r:id="rId23"/>
     <p:sldId id="285" r:id="rId24"/>
-    <p:sldId id="286" r:id="rId25"/>
-    <p:sldId id="278" r:id="rId26"/>
-    <p:sldId id="277" r:id="rId27"/>
-    <p:sldId id="279" r:id="rId28"/>
-    <p:sldId id="280" r:id="rId29"/>
-    <p:sldId id="281" r:id="rId30"/>
-    <p:sldId id="282" r:id="rId31"/>
-    <p:sldId id="284" r:id="rId32"/>
+    <p:sldId id="294" r:id="rId25"/>
+    <p:sldId id="286" r:id="rId26"/>
+    <p:sldId id="278" r:id="rId27"/>
+    <p:sldId id="277" r:id="rId28"/>
+    <p:sldId id="279" r:id="rId29"/>
+    <p:sldId id="280" r:id="rId30"/>
+    <p:sldId id="281" r:id="rId31"/>
+    <p:sldId id="282" r:id="rId32"/>
+    <p:sldId id="284" r:id="rId33"/>
   </p:sldIdLst>
   <p:sldSz cx="12192000" cy="6858000"/>
   <p:notesSz cx="6858000" cy="9144000"/>
@@ -15490,8 +15491,8 @@
         </p:nvSpPr>
         <p:spPr>
           <a:xfrm>
-            <a:off x="503555" y="180340"/>
-            <a:ext cx="8583295" cy="2861310"/>
+            <a:off x="151130" y="180340"/>
+            <a:ext cx="9929495" cy="2584450"/>
           </a:xfrm>
           <a:prstGeom prst="rect">
             <a:avLst/>
@@ -15520,7 +15521,15 @@
           <a:p>
             <a:r>
               <a:rPr lang="zh-CN" altLang="en-US"/>
-              <a:t>第一个实践要求你在第二节的代码上进行修改，将第二节所得图片放大很多倍后，我们发现在图像边缘产生了锯齿现象，如何减缓这种问题？提示：在前面我们假设一个像素的位置为该像素对应方格中心点的位置，这就造成一个像素的颜色不能代表整个方格的颜色。一个直观且简单的方法是对一个像素所在方格采样四次（</a:t>
+              <a:t>第一个实践要求你在第二节的代码上进行修改，将第二节所得图片放大很多倍后，我们发现在图像边缘产生了锯齿现象，如何减缓这种问题？提示：在前面我们假设一个像素的位置为该像素对应方格中心点的位置（</a:t>
+            </a:r>
+            <a:r>
+              <a:rPr lang="en-US" altLang="zh-CN"/>
+              <a:t>0.5,0.5</a:t>
+            </a:r>
+            <a:r>
+              <a:rPr lang="zh-CN" altLang="en-US"/>
+              <a:t>），这就造成一个像素的颜色不能代表整个方格的颜色。一个直观且简单的方法是对一个像素所在方格采样四次（或更多次）（</a:t>
             </a:r>
             <a:r>
               <a:rPr lang="en-US" altLang="zh-CN"/>
@@ -15565,12 +15574,16 @@
               <a:t>希望有能力的尽量写一下，总共需要修改的代码也就在</a:t>
             </a:r>
             <a:r>
-              <a:rPr lang="en-US" altLang="zh-CN"/>
+              <a:rPr lang="en-US" altLang="zh-CN" b="1"/>
               <a:t>5</a:t>
             </a:r>
             <a:r>
+              <a:rPr lang="zh-CN" altLang="en-US" b="1"/>
+              <a:t>行</a:t>
+            </a:r>
+            <a:r>
               <a:rPr lang="zh-CN" altLang="en-US"/>
-              <a:t>行左右，第一页</a:t>
+              <a:t>左右，第一页</a:t>
             </a:r>
             <a:r>
               <a:rPr lang="en-US" altLang="zh-CN"/>
@@ -15608,8 +15621,8 @@
         </p:blipFill>
         <p:spPr>
           <a:xfrm>
-            <a:off x="9662795" y="-6985"/>
-            <a:ext cx="2529205" cy="4627245"/>
+            <a:off x="10081260" y="-6985"/>
+            <a:ext cx="2110740" cy="3862070"/>
           </a:xfrm>
           <a:prstGeom prst="rect">
             <a:avLst/>
@@ -20568,8 +20581,8 @@
         </p:nvSpPr>
         <p:spPr>
           <a:xfrm>
-            <a:off x="887095" y="799465"/>
-            <a:ext cx="11005820" cy="2306955"/>
+            <a:off x="534670" y="532765"/>
+            <a:ext cx="11248390" cy="1198880"/>
           </a:xfrm>
           <a:prstGeom prst="rect">
             <a:avLst/>
@@ -20577,85 +20590,240 @@
           <a:noFill/>
         </p:spPr>
         <p:txBody>
-          <a:bodyPr wrap="square" rtlCol="0" anchor="t">
+          <a:bodyPr wrap="square" rtlCol="0">
             <a:spAutoFit/>
           </a:bodyPr>
           <a:p>
             <a:r>
-              <a:rPr lang="zh-CN" altLang="en-US" sz="2400"/>
+              <a:rPr lang="zh-CN" altLang="en-US"/>
               <a:t>实践</a:t>
             </a:r>
             <a:r>
-              <a:rPr lang="en-US" altLang="zh-CN" sz="2400"/>
+              <a:rPr lang="en-US" altLang="zh-CN"/>
               <a:t>2</a:t>
             </a:r>
-            <a:endParaRPr lang="en-US" altLang="zh-CN" sz="2400"/>
-          </a:p>
-          <a:p>
-            <a:endParaRPr lang="en-US" altLang="zh-CN" sz="2400"/>
-          </a:p>
-          <a:p>
-            <a:r>
-              <a:rPr lang="zh-CN" altLang="en-US" sz="2400"/>
-              <a:t>这个实践要求你在第四节的代码上进行修改，实践内容为，绘制两个三角形，使它们组成一个矩形。注意三角形的顺序为顺时针排列。第一页</a:t>
-            </a:r>
-            <a:r>
-              <a:rPr lang="en-US" altLang="zh-CN" sz="2400"/>
-              <a:t>PPT</a:t>
-            </a:r>
-            <a:r>
-              <a:rPr lang="zh-CN" altLang="en-US" sz="2400"/>
-              <a:t>给出的</a:t>
-            </a:r>
-            <a:r>
-              <a:rPr lang="zh-CN" altLang="en-US" sz="2400">
-                <a:sym typeface="+mn-ea"/>
-              </a:rPr>
-              <a:t>代码存储库链接中存放了实践</a:t>
-            </a:r>
-            <a:r>
-              <a:rPr lang="en-US" altLang="zh-CN" sz="2400">
-                <a:sym typeface="+mn-ea"/>
-              </a:rPr>
+            <a:r>
+              <a:rPr lang="zh-CN" altLang="en-US"/>
+              <a:t>，这个实践要求你在第三节的代码上进行修改，在第三节中我们通过判断某个像素是否在三角形三条边的同一侧来决定该像素是否在三角形内。我们可以拓展该方法到任意凸多边形，这次的实践绘制一个五边形。需要在原代码基础上修改的行数仅在</a:t>
+            </a:r>
+            <a:r>
+              <a:rPr lang="en-US" altLang="zh-CN" b="1"/>
+              <a:t>5</a:t>
+            </a:r>
+            <a:r>
+              <a:rPr lang="zh-CN" altLang="en-US" b="1"/>
+              <a:t>行</a:t>
+            </a:r>
+            <a:r>
+              <a:rPr lang="zh-CN" altLang="en-US"/>
+              <a:t>左右。事实上该判断方法也是计算几何中判断凸包的方法之一。存储库链接中给出了实践</a:t>
+            </a:r>
+            <a:r>
+              <a:rPr lang="en-US" altLang="zh-CN"/>
               <a:t>2</a:t>
             </a:r>
             <a:r>
-              <a:rPr lang="zh-CN" altLang="en-US" sz="2400">
-                <a:sym typeface="+mn-ea"/>
-              </a:rPr>
+              <a:rPr lang="zh-CN" altLang="en-US"/>
               <a:t>的答案。</a:t>
             </a:r>
-            <a:endParaRPr lang="zh-CN" altLang="en-US" sz="2400"/>
-          </a:p>
-          <a:p>
-            <a:endParaRPr lang="en-US" altLang="zh-CN" sz="2400"/>
+            <a:endParaRPr lang="zh-CN" altLang="en-US"/>
           </a:p>
         </p:txBody>
       </p:sp>
       <p:pic>
         <p:nvPicPr>
-          <p:cNvPr id="4" name="图片 3" descr="4"/>
+          <p:cNvPr id="4" name="图片 3" descr="4556"/>
           <p:cNvPicPr>
             <a:picLocks noChangeAspect="1"/>
           </p:cNvPicPr>
-          <p:nvPr/>
+          <p:nvPr>
+            <p:custDataLst>
+              <p:tags r:id="rId1"/>
+            </p:custDataLst>
+          </p:nvPr>
         </p:nvPicPr>
         <p:blipFill>
-          <a:blip r:embed="rId1"/>
+          <a:blip r:embed="rId2"/>
           <a:stretch>
             <a:fillRect/>
           </a:stretch>
         </p:blipFill>
         <p:spPr>
           <a:xfrm>
-            <a:off x="702310" y="3260725"/>
-            <a:ext cx="6645910" cy="3272790"/>
+            <a:off x="6744970" y="3261995"/>
+            <a:ext cx="5327015" cy="2633345"/>
           </a:xfrm>
           <a:prstGeom prst="rect">
             <a:avLst/>
           </a:prstGeom>
         </p:spPr>
       </p:pic>
+      <p:pic>
+        <p:nvPicPr>
+          <p:cNvPr id="5" name="图片 4" descr="4556"/>
+          <p:cNvPicPr>
+            <a:picLocks noChangeAspect="1"/>
+          </p:cNvPicPr>
+          <p:nvPr>
+            <p:custDataLst>
+              <p:tags r:id="rId3"/>
+            </p:custDataLst>
+          </p:nvPr>
+        </p:nvPicPr>
+        <p:blipFill>
+          <a:blip r:embed="rId2"/>
+          <a:stretch>
+            <a:fillRect/>
+          </a:stretch>
+        </p:blipFill>
+        <p:spPr>
+          <a:xfrm>
+            <a:off x="363855" y="3143885"/>
+            <a:ext cx="5327015" cy="2633345"/>
+          </a:xfrm>
+          <a:prstGeom prst="rect">
+            <a:avLst/>
+          </a:prstGeom>
+        </p:spPr>
+      </p:pic>
+      <p:cxnSp>
+        <p:nvCxnSpPr>
+          <p:cNvPr id="6" name="直接箭头连接符 5"/>
+          <p:cNvCxnSpPr/>
+          <p:nvPr/>
+        </p:nvCxnSpPr>
+        <p:spPr>
+          <a:xfrm flipH="1" flipV="1">
+            <a:off x="374015" y="1972310"/>
+            <a:ext cx="21590" cy="3746500"/>
+          </a:xfrm>
+          <a:prstGeom prst="straightConnector1">
+            <a:avLst/>
+          </a:prstGeom>
+          <a:ln>
+            <a:tailEnd type="arrow"/>
+          </a:ln>
+        </p:spPr>
+        <p:style>
+          <a:lnRef idx="1">
+            <a:schemeClr val="accent1"/>
+          </a:lnRef>
+          <a:fillRef idx="0">
+            <a:schemeClr val="accent1"/>
+          </a:fillRef>
+          <a:effectRef idx="0">
+            <a:schemeClr val="accent1"/>
+          </a:effectRef>
+          <a:fontRef idx="minor">
+            <a:schemeClr val="tx1"/>
+          </a:fontRef>
+        </p:style>
+      </p:cxnSp>
+      <p:cxnSp>
+        <p:nvCxnSpPr>
+          <p:cNvPr id="7" name="直接箭头连接符 6"/>
+          <p:cNvCxnSpPr/>
+          <p:nvPr/>
+        </p:nvCxnSpPr>
+        <p:spPr>
+          <a:xfrm>
+            <a:off x="363220" y="5751195"/>
+            <a:ext cx="5758815" cy="20955"/>
+          </a:xfrm>
+          <a:prstGeom prst="straightConnector1">
+            <a:avLst/>
+          </a:prstGeom>
+          <a:ln>
+            <a:tailEnd type="arrow"/>
+          </a:ln>
+        </p:spPr>
+        <p:style>
+          <a:lnRef idx="1">
+            <a:schemeClr val="accent1"/>
+          </a:lnRef>
+          <a:fillRef idx="0">
+            <a:schemeClr val="accent1"/>
+          </a:fillRef>
+          <a:effectRef idx="0">
+            <a:schemeClr val="accent1"/>
+          </a:effectRef>
+          <a:fontRef idx="minor">
+            <a:schemeClr val="tx1"/>
+          </a:fontRef>
+        </p:style>
+      </p:cxnSp>
+      <p:cxnSp>
+        <p:nvCxnSpPr>
+          <p:cNvPr id="8" name="直接箭头连接符 7"/>
+          <p:cNvCxnSpPr/>
+          <p:nvPr/>
+        </p:nvCxnSpPr>
+        <p:spPr>
+          <a:xfrm>
+            <a:off x="2964815" y="3143885"/>
+            <a:ext cx="1370965" cy="1247775"/>
+          </a:xfrm>
+          <a:prstGeom prst="straightConnector1">
+            <a:avLst/>
+          </a:prstGeom>
+          <a:ln>
+            <a:solidFill>
+              <a:schemeClr val="bg1"/>
+            </a:solidFill>
+            <a:tailEnd type="arrow"/>
+          </a:ln>
+        </p:spPr>
+        <p:style>
+          <a:lnRef idx="1">
+            <a:schemeClr val="accent1"/>
+          </a:lnRef>
+          <a:fillRef idx="0">
+            <a:schemeClr val="accent1"/>
+          </a:fillRef>
+          <a:effectRef idx="0">
+            <a:schemeClr val="accent1"/>
+          </a:effectRef>
+          <a:fontRef idx="minor">
+            <a:schemeClr val="tx1"/>
+          </a:fontRef>
+        </p:style>
+      </p:cxnSp>
+      <p:cxnSp>
+        <p:nvCxnSpPr>
+          <p:cNvPr id="9" name="直接箭头连接符 8"/>
+          <p:cNvCxnSpPr/>
+          <p:nvPr/>
+        </p:nvCxnSpPr>
+        <p:spPr>
+          <a:xfrm>
+            <a:off x="2964815" y="3261995"/>
+            <a:ext cx="213995" cy="1247140"/>
+          </a:xfrm>
+          <a:prstGeom prst="straightConnector1">
+            <a:avLst/>
+          </a:prstGeom>
+          <a:ln>
+            <a:solidFill>
+              <a:schemeClr val="bg1"/>
+            </a:solidFill>
+            <a:tailEnd type="arrow"/>
+          </a:ln>
+        </p:spPr>
+        <p:style>
+          <a:lnRef idx="1">
+            <a:schemeClr val="accent1"/>
+          </a:lnRef>
+          <a:fillRef idx="0">
+            <a:schemeClr val="accent1"/>
+          </a:fillRef>
+          <a:effectRef idx="0">
+            <a:schemeClr val="accent1"/>
+          </a:effectRef>
+          <a:fontRef idx="minor">
+            <a:schemeClr val="tx1"/>
+          </a:fontRef>
+        </p:style>
+      </p:cxnSp>
     </p:spTree>
   </p:cSld>
   <p:clrMapOvr>
@@ -20676,14 +20844,14 @@
       <p:grpSpPr/>
       <p:sp>
         <p:nvSpPr>
-          <p:cNvPr id="2" name="文本框 1"/>
+          <p:cNvPr id="3" name="文本框 2"/>
           <p:cNvSpPr txBox="1"/>
           <p:nvPr/>
         </p:nvSpPr>
         <p:spPr>
           <a:xfrm>
-            <a:off x="2140585" y="3091815"/>
-            <a:ext cx="8359775" cy="460375"/>
+            <a:off x="593090" y="274955"/>
+            <a:ext cx="11005820" cy="2306955"/>
           </a:xfrm>
           <a:prstGeom prst="rect">
             <a:avLst/>
@@ -20691,18 +20859,85 @@
           <a:noFill/>
         </p:spPr>
         <p:txBody>
-          <a:bodyPr wrap="square" rtlCol="0">
+          <a:bodyPr wrap="square" rtlCol="0" anchor="t">
             <a:spAutoFit/>
           </a:bodyPr>
           <a:p>
             <a:r>
               <a:rPr lang="zh-CN" altLang="en-US" sz="2400"/>
-              <a:t>后面的内容不再详细介绍，有兴趣的同学可以自行查看代码</a:t>
+              <a:t>实践</a:t>
+            </a:r>
+            <a:r>
+              <a:rPr lang="en-US" altLang="zh-CN" sz="2400"/>
+              <a:t>3</a:t>
+            </a:r>
+            <a:endParaRPr lang="en-US" altLang="zh-CN" sz="2400"/>
+          </a:p>
+          <a:p>
+            <a:endParaRPr lang="en-US" altLang="zh-CN" sz="2400"/>
+          </a:p>
+          <a:p>
+            <a:r>
+              <a:rPr lang="zh-CN" altLang="en-US" sz="2400"/>
+              <a:t>这个实践要求你在第四节的代码上进行修改，实践内容为，绘制两个三角形，使它们组成一个矩形。注意三角形的顺序为顺时针排列。第一页</a:t>
+            </a:r>
+            <a:r>
+              <a:rPr lang="en-US" altLang="zh-CN" sz="2400"/>
+              <a:t>PPT</a:t>
+            </a:r>
+            <a:r>
+              <a:rPr lang="zh-CN" altLang="en-US" sz="2400"/>
+              <a:t>给出的</a:t>
+            </a:r>
+            <a:r>
+              <a:rPr lang="zh-CN" altLang="en-US" sz="2400">
+                <a:sym typeface="+mn-ea"/>
+              </a:rPr>
+              <a:t>代码存储库链接中存放了实践</a:t>
+            </a:r>
+            <a:r>
+              <a:rPr lang="en-US" altLang="zh-CN" sz="2400">
+                <a:sym typeface="+mn-ea"/>
+              </a:rPr>
+              <a:t>3</a:t>
+            </a:r>
+            <a:r>
+              <a:rPr lang="zh-CN" altLang="en-US" sz="2400">
+                <a:sym typeface="+mn-ea"/>
+              </a:rPr>
+              <a:t>的答案。</a:t>
             </a:r>
             <a:endParaRPr lang="zh-CN" altLang="en-US" sz="2400"/>
           </a:p>
-        </p:txBody>
-      </p:sp>
+          <a:p>
+            <a:endParaRPr lang="en-US" altLang="zh-CN" sz="2400"/>
+          </a:p>
+        </p:txBody>
+      </p:sp>
+      <p:pic>
+        <p:nvPicPr>
+          <p:cNvPr id="4" name="图片 3" descr="4"/>
+          <p:cNvPicPr>
+            <a:picLocks noChangeAspect="1"/>
+          </p:cNvPicPr>
+          <p:nvPr/>
+        </p:nvPicPr>
+        <p:blipFill>
+          <a:blip r:embed="rId1"/>
+          <a:stretch>
+            <a:fillRect/>
+          </a:stretch>
+        </p:blipFill>
+        <p:spPr>
+          <a:xfrm>
+            <a:off x="702310" y="3260725"/>
+            <a:ext cx="6645910" cy="3272790"/>
+          </a:xfrm>
+          <a:prstGeom prst="rect">
+            <a:avLst/>
+          </a:prstGeom>
+        </p:spPr>
+      </p:pic>
     </p:spTree>
   </p:cSld>
   <p:clrMapOvr>
@@ -20721,40 +20956,16 @@
         <p:nvPr/>
       </p:nvGrpSpPr>
       <p:grpSpPr/>
-      <p:pic>
-        <p:nvPicPr>
-          <p:cNvPr id="3" name="图片 2" descr="5"/>
-          <p:cNvPicPr>
-            <a:picLocks noChangeAspect="1"/>
-          </p:cNvPicPr>
-          <p:nvPr/>
-        </p:nvPicPr>
-        <p:blipFill>
-          <a:blip r:embed="rId1"/>
-          <a:stretch>
-            <a:fillRect/>
-          </a:stretch>
-        </p:blipFill>
-        <p:spPr>
-          <a:xfrm>
-            <a:off x="457835" y="683260"/>
-            <a:ext cx="5500370" cy="2714625"/>
-          </a:xfrm>
-          <a:prstGeom prst="rect">
-            <a:avLst/>
-          </a:prstGeom>
-        </p:spPr>
-      </p:pic>
-      <p:sp>
-        <p:nvSpPr>
-          <p:cNvPr id="4" name="文本框 3"/>
+      <p:sp>
+        <p:nvSpPr>
+          <p:cNvPr id="2" name="文本框 1"/>
           <p:cNvSpPr txBox="1"/>
           <p:nvPr/>
         </p:nvSpPr>
         <p:spPr>
           <a:xfrm>
-            <a:off x="7364730" y="1645920"/>
-            <a:ext cx="4237990" cy="3784600"/>
+            <a:off x="2140585" y="3091815"/>
+            <a:ext cx="8359775" cy="460375"/>
           </a:xfrm>
           <a:prstGeom prst="rect">
             <a:avLst/>
@@ -20768,36 +20979,12 @@
           <a:p>
             <a:r>
               <a:rPr lang="zh-CN" altLang="en-US" sz="2400"/>
-              <a:t>第五节内容为绘制一个在三维空间内的三角形，并使其符合透视关系，上面的图片是第五节的图像，下面的图像是第四节的图像，可以清楚的看到下方图像的红绿蓝区域大小相等，而上方图像由于透视关系，三角形上面的点比较靠后，所以该点对应红色区域面积相应的少于其他两点</a:t>
+              <a:t>后面的内容不再详细介绍，有兴趣的同学可以自行查看代码</a:t>
             </a:r>
             <a:endParaRPr lang="zh-CN" altLang="en-US" sz="2400"/>
           </a:p>
         </p:txBody>
       </p:sp>
-      <p:pic>
-        <p:nvPicPr>
-          <p:cNvPr id="5" name="图片 4" descr="QQ截图20200501183424"/>
-          <p:cNvPicPr>
-            <a:picLocks noChangeAspect="1"/>
-          </p:cNvPicPr>
-          <p:nvPr/>
-        </p:nvPicPr>
-        <p:blipFill>
-          <a:blip r:embed="rId2"/>
-          <a:stretch>
-            <a:fillRect/>
-          </a:stretch>
-        </p:blipFill>
-        <p:spPr>
-          <a:xfrm>
-            <a:off x="457835" y="3835400"/>
-            <a:ext cx="5489575" cy="2707640"/>
-          </a:xfrm>
-          <a:prstGeom prst="rect">
-            <a:avLst/>
-          </a:prstGeom>
-        </p:spPr>
-      </p:pic>
     </p:spTree>
   </p:cSld>
   <p:clrMapOvr>
@@ -20818,7 +21005,7 @@
       <p:grpSpPr/>
       <p:pic>
         <p:nvPicPr>
-          <p:cNvPr id="2" name="图片 1" descr="6"/>
+          <p:cNvPr id="3" name="图片 2" descr="5"/>
           <p:cNvPicPr>
             <a:picLocks noChangeAspect="1"/>
           </p:cNvPicPr>
@@ -20832,17 +21019,46 @@
         </p:blipFill>
         <p:spPr>
           <a:xfrm>
-            <a:off x="542290" y="464820"/>
-            <a:ext cx="5316855" cy="2658745"/>
+            <a:off x="457835" y="683260"/>
+            <a:ext cx="5500370" cy="2714625"/>
           </a:xfrm>
           <a:prstGeom prst="rect">
             <a:avLst/>
           </a:prstGeom>
         </p:spPr>
       </p:pic>
+      <p:sp>
+        <p:nvSpPr>
+          <p:cNvPr id="4" name="文本框 3"/>
+          <p:cNvSpPr txBox="1"/>
+          <p:nvPr/>
+        </p:nvSpPr>
+        <p:spPr>
+          <a:xfrm>
+            <a:off x="7364730" y="1645920"/>
+            <a:ext cx="4237990" cy="3784600"/>
+          </a:xfrm>
+          <a:prstGeom prst="rect">
+            <a:avLst/>
+          </a:prstGeom>
+          <a:noFill/>
+        </p:spPr>
+        <p:txBody>
+          <a:bodyPr wrap="square" rtlCol="0">
+            <a:spAutoFit/>
+          </a:bodyPr>
+          <a:p>
+            <a:r>
+              <a:rPr lang="zh-CN" altLang="en-US" sz="2400"/>
+              <a:t>第五节内容为绘制一个在三维空间内的三角形，并使其符合透视关系，上面的图片是第五节的图像，下面的图像是第四节的图像，可以清楚的看到下方图像的红绿蓝区域大小相等，而上方图像由于透视关系，三角形上面的点比较靠后，所以该点对应红色区域面积相应的少于其他两点</a:t>
+            </a:r>
+            <a:endParaRPr lang="zh-CN" altLang="en-US" sz="2400"/>
+          </a:p>
+        </p:txBody>
+      </p:sp>
       <p:pic>
         <p:nvPicPr>
-          <p:cNvPr id="3" name="图片 2" descr="container"/>
+          <p:cNvPr id="5" name="图片 4" descr="QQ截图20200501183424"/>
           <p:cNvPicPr>
             <a:picLocks noChangeAspect="1"/>
           </p:cNvPicPr>
@@ -20856,51 +21072,14 @@
         </p:blipFill>
         <p:spPr>
           <a:xfrm>
-            <a:off x="1613535" y="3688080"/>
-            <a:ext cx="3013710" cy="3013710"/>
+            <a:off x="457835" y="3835400"/>
+            <a:ext cx="5489575" cy="2707640"/>
           </a:xfrm>
           <a:prstGeom prst="rect">
             <a:avLst/>
           </a:prstGeom>
         </p:spPr>
       </p:pic>
-      <p:sp>
-        <p:nvSpPr>
-          <p:cNvPr id="4" name="文本框 3"/>
-          <p:cNvSpPr txBox="1"/>
-          <p:nvPr/>
-        </p:nvSpPr>
-        <p:spPr>
-          <a:xfrm>
-            <a:off x="7192645" y="2855595"/>
-            <a:ext cx="4923790" cy="1938020"/>
-          </a:xfrm>
-          <a:prstGeom prst="rect">
-            <a:avLst/>
-          </a:prstGeom>
-          <a:noFill/>
-        </p:spPr>
-        <p:txBody>
-          <a:bodyPr wrap="square" rtlCol="0">
-            <a:spAutoFit/>
-          </a:bodyPr>
-          <a:p>
-            <a:r>
-              <a:rPr lang="zh-CN" altLang="en-US" sz="2400"/>
-              <a:t>第六节内容是给我们的三角形贴上一张纹理贴图（下方的图像），并正确地执行纹理采样和纹理映射。注意将纹理图片和</a:t>
-            </a:r>
-            <a:r>
-              <a:rPr lang="en-US" altLang="zh-CN" sz="2400"/>
-              <a:t>main.cpp</a:t>
-            </a:r>
-            <a:r>
-              <a:rPr lang="zh-CN" altLang="en-US" sz="2400"/>
-              <a:t>放在同一目录下</a:t>
-            </a:r>
-            <a:endParaRPr lang="zh-CN" altLang="en-US" sz="2400"/>
-          </a:p>
-        </p:txBody>
-      </p:sp>
     </p:spTree>
   </p:cSld>
   <p:clrMapOvr>
@@ -20921,7 +21100,7 @@
       <p:grpSpPr/>
       <p:pic>
         <p:nvPicPr>
-          <p:cNvPr id="2" name="图片 1" descr="7"/>
+          <p:cNvPr id="2" name="图片 1" descr="6"/>
           <p:cNvPicPr>
             <a:picLocks noChangeAspect="1"/>
           </p:cNvPicPr>
@@ -20935,24 +21114,48 @@
         </p:blipFill>
         <p:spPr>
           <a:xfrm>
-            <a:off x="502285" y="1720215"/>
-            <a:ext cx="5801360" cy="2850515"/>
+            <a:off x="542290" y="464820"/>
+            <a:ext cx="5316855" cy="2658745"/>
           </a:xfrm>
           <a:prstGeom prst="rect">
             <a:avLst/>
           </a:prstGeom>
         </p:spPr>
       </p:pic>
-      <p:sp>
-        <p:nvSpPr>
-          <p:cNvPr id="3" name="文本框 2"/>
+      <p:pic>
+        <p:nvPicPr>
+          <p:cNvPr id="3" name="图片 2" descr="container"/>
+          <p:cNvPicPr>
+            <a:picLocks noChangeAspect="1"/>
+          </p:cNvPicPr>
+          <p:nvPr/>
+        </p:nvPicPr>
+        <p:blipFill>
+          <a:blip r:embed="rId2"/>
+          <a:stretch>
+            <a:fillRect/>
+          </a:stretch>
+        </p:blipFill>
+        <p:spPr>
+          <a:xfrm>
+            <a:off x="1613535" y="3688080"/>
+            <a:ext cx="3013710" cy="3013710"/>
+          </a:xfrm>
+          <a:prstGeom prst="rect">
+            <a:avLst/>
+          </a:prstGeom>
+        </p:spPr>
+      </p:pic>
+      <p:sp>
+        <p:nvSpPr>
+          <p:cNvPr id="4" name="文本框 3"/>
           <p:cNvSpPr txBox="1"/>
           <p:nvPr/>
         </p:nvSpPr>
         <p:spPr>
           <a:xfrm>
-            <a:off x="7181850" y="1720215"/>
-            <a:ext cx="4238625" cy="2676525"/>
+            <a:off x="7192645" y="2855595"/>
+            <a:ext cx="4923790" cy="1938020"/>
           </a:xfrm>
           <a:prstGeom prst="rect">
             <a:avLst/>
@@ -20966,23 +21169,15 @@
           <a:p>
             <a:r>
               <a:rPr lang="zh-CN" altLang="en-US" sz="2400"/>
-              <a:t>第</a:t>
+              <a:t>第六节内容是给我们的三角形贴上一张纹理贴图（下方的图像），并正确地执行纹理采样和纹理映射。注意将纹理图片和</a:t>
             </a:r>
             <a:r>
               <a:rPr lang="en-US" altLang="zh-CN" sz="2400"/>
-              <a:t>7</a:t>
+              <a:t>main.cpp</a:t>
             </a:r>
             <a:r>
               <a:rPr lang="zh-CN" altLang="en-US" sz="2400"/>
-              <a:t>节内容为平移，旋转、缩放。在</a:t>
-            </a:r>
-            <a:r>
-              <a:rPr lang="en-US" altLang="zh-CN" sz="2400"/>
-              <a:t>OpenGL</a:t>
-            </a:r>
-            <a:r>
-              <a:rPr lang="zh-CN" altLang="en-US" sz="2400"/>
-              <a:t>中我们通过矩阵进行上述操作，这里通过简单的数学推导进行上述变换。与之类似是第五节内容，我们将透视投影矩阵做了大幅度简化，用简单的公式来进行透视变换</a:t>
+              <a:t>放在同一目录下</a:t>
             </a:r>
             <a:endParaRPr lang="zh-CN" altLang="en-US" sz="2400"/>
           </a:p>
@@ -21008,7 +21203,7 @@
       <p:grpSpPr/>
       <p:pic>
         <p:nvPicPr>
-          <p:cNvPr id="2" name="图片 1" descr="8"/>
+          <p:cNvPr id="2" name="图片 1" descr="7"/>
           <p:cNvPicPr>
             <a:picLocks noChangeAspect="1"/>
           </p:cNvPicPr>
@@ -21022,8 +21217,8 @@
         </p:blipFill>
         <p:spPr>
           <a:xfrm>
-            <a:off x="392430" y="1711325"/>
-            <a:ext cx="6422390" cy="3157220"/>
+            <a:off x="502285" y="1720215"/>
+            <a:ext cx="5801360" cy="2850515"/>
           </a:xfrm>
           <a:prstGeom prst="rect">
             <a:avLst/>
@@ -21038,8 +21233,8 @@
         </p:nvSpPr>
         <p:spPr>
           <a:xfrm>
-            <a:off x="7749540" y="2620010"/>
-            <a:ext cx="3510915" cy="922020"/>
+            <a:off x="7181850" y="1720215"/>
+            <a:ext cx="4238625" cy="2676525"/>
           </a:xfrm>
           <a:prstGeom prst="rect">
             <a:avLst/>
@@ -21052,10 +21247,26 @@
           </a:bodyPr>
           <a:p>
             <a:r>
-              <a:rPr lang="zh-CN" altLang="en-US"/>
-              <a:t>最后一节内容是光照计算，我们假想一个光源，并计算光源对该三角形的影响。</a:t>
-            </a:r>
-            <a:endParaRPr lang="zh-CN" altLang="en-US"/>
+              <a:rPr lang="zh-CN" altLang="en-US" sz="2400"/>
+              <a:t>第</a:t>
+            </a:r>
+            <a:r>
+              <a:rPr lang="en-US" altLang="zh-CN" sz="2400"/>
+              <a:t>7</a:t>
+            </a:r>
+            <a:r>
+              <a:rPr lang="zh-CN" altLang="en-US" sz="2400"/>
+              <a:t>节内容为平移，旋转、缩放。在</a:t>
+            </a:r>
+            <a:r>
+              <a:rPr lang="en-US" altLang="zh-CN" sz="2400"/>
+              <a:t>OpenGL</a:t>
+            </a:r>
+            <a:r>
+              <a:rPr lang="zh-CN" altLang="en-US" sz="2400"/>
+              <a:t>中我们通过矩阵进行上述操作，这里通过简单的数学推导进行上述变换。与之类似是第五节内容，我们将透视投影矩阵做了大幅度简化，用简单的公式来进行透视变换</a:t>
+            </a:r>
+            <a:endParaRPr lang="zh-CN" altLang="en-US" sz="2400"/>
           </a:p>
         </p:txBody>
       </p:sp>
@@ -21077,45 +21288,40 @@
         <p:nvPr/>
       </p:nvGrpSpPr>
       <p:grpSpPr/>
-      <p:sp>
-        <p:nvSpPr>
-          <p:cNvPr id="4" name="文本框 3"/>
+      <p:pic>
+        <p:nvPicPr>
+          <p:cNvPr id="2" name="图片 1" descr="8"/>
+          <p:cNvPicPr>
+            <a:picLocks noChangeAspect="1"/>
+          </p:cNvPicPr>
+          <p:nvPr/>
+        </p:nvPicPr>
+        <p:blipFill>
+          <a:blip r:embed="rId1"/>
+          <a:stretch>
+            <a:fillRect/>
+          </a:stretch>
+        </p:blipFill>
+        <p:spPr>
+          <a:xfrm>
+            <a:off x="392430" y="1711325"/>
+            <a:ext cx="6422390" cy="3157220"/>
+          </a:xfrm>
+          <a:prstGeom prst="rect">
+            <a:avLst/>
+          </a:prstGeom>
+        </p:spPr>
+      </p:pic>
+      <p:sp>
+        <p:nvSpPr>
+          <p:cNvPr id="3" name="文本框 2"/>
           <p:cNvSpPr txBox="1"/>
           <p:nvPr/>
         </p:nvSpPr>
         <p:spPr>
           <a:xfrm>
-            <a:off x="1316355" y="4959350"/>
-            <a:ext cx="9892665" cy="368300"/>
-          </a:xfrm>
-          <a:prstGeom prst="rect">
-            <a:avLst/>
-          </a:prstGeom>
-          <a:noFill/>
-        </p:spPr>
-        <p:txBody>
-          <a:bodyPr wrap="square" rtlCol="0" anchor="t">
-            <a:spAutoFit/>
-          </a:bodyPr>
-          <a:p>
-            <a:r>
-              <a:rPr lang="zh-CN" altLang="en-US"/>
-              <a:t>https://www.scratchapixel.com/lessons/3d-basic-rendering/rasterization-practical-implementation</a:t>
-            </a:r>
-            <a:endParaRPr lang="zh-CN" altLang="en-US"/>
-          </a:p>
-        </p:txBody>
-      </p:sp>
-      <p:sp>
-        <p:nvSpPr>
-          <p:cNvPr id="5" name="文本框 4"/>
-          <p:cNvSpPr txBox="1"/>
-          <p:nvPr/>
-        </p:nvSpPr>
-        <p:spPr>
-          <a:xfrm>
-            <a:off x="1316355" y="1025525"/>
-            <a:ext cx="9804400" cy="3138170"/>
+            <a:off x="7749540" y="2620010"/>
+            <a:ext cx="3510915" cy="922020"/>
           </a:xfrm>
           <a:prstGeom prst="rect">
             <a:avLst/>
@@ -21129,121 +21335,8 @@
           <a:p>
             <a:r>
               <a:rPr lang="zh-CN" altLang="en-US"/>
-              <a:t>下面链接的教程涉及到本</a:t>
-            </a:r>
-            <a:r>
-              <a:rPr lang="en-US" altLang="zh-CN"/>
-              <a:t>PPT</a:t>
-            </a:r>
-            <a:r>
-              <a:rPr lang="zh-CN" altLang="en-US"/>
-              <a:t>前</a:t>
-            </a:r>
-            <a:r>
-              <a:rPr lang="en-US" altLang="zh-CN"/>
-              <a:t>5</a:t>
-            </a:r>
-            <a:r>
-              <a:rPr lang="zh-CN" altLang="en-US"/>
-              <a:t>节的内容，并且详细讲述了更细致的一些东西</a:t>
-            </a:r>
-            <a:r>
-              <a:rPr lang="zh-CN"/>
-              <a:t>。</a:t>
-            </a:r>
-            <a:endParaRPr lang="zh-CN" altLang="en-US"/>
-          </a:p>
-          <a:p>
-            <a:endParaRPr lang="zh-CN" altLang="en-US"/>
-          </a:p>
-          <a:p>
-            <a:r>
-              <a:rPr lang="zh-CN" altLang="en-US"/>
-              <a:t>第六节内容我们使用了一个"stb_image.h"头文件，用来读取图片的信息，这一节只需要关注</a:t>
-            </a:r>
-            <a:r>
-              <a:rPr lang="en-US" altLang="zh-CN"/>
-              <a:t>texture</a:t>
-            </a:r>
-            <a:r>
-              <a:rPr lang="zh-CN" altLang="en-US"/>
-              <a:t>函数即可，该函数输入为</a:t>
-            </a:r>
-            <a:r>
-              <a:rPr lang="en-US" altLang="zh-CN"/>
-              <a:t>uv</a:t>
-            </a:r>
-            <a:r>
-              <a:rPr lang="zh-CN" altLang="en-US"/>
-              <a:t>坐标，输出为采样到的像素值，可以直接跳过本节内容。</a:t>
-            </a:r>
-            <a:endParaRPr lang="zh-CN" altLang="en-US"/>
-          </a:p>
-          <a:p>
-            <a:endParaRPr lang="zh-CN" altLang="en-US"/>
-          </a:p>
-          <a:p>
-            <a:r>
-              <a:rPr lang="zh-CN" altLang="en-US"/>
-              <a:t>第七节内容只需要关注</a:t>
-            </a:r>
-            <a:r>
-              <a:rPr lang="en-US" altLang="zh-CN"/>
-              <a:t>rotate</a:t>
-            </a:r>
-            <a:r>
-              <a:rPr lang="zh-CN" altLang="en-US"/>
-              <a:t>和</a:t>
-            </a:r>
-            <a:r>
-              <a:rPr lang="en-US" altLang="zh-CN"/>
-              <a:t>translate</a:t>
-            </a:r>
-            <a:r>
-              <a:rPr lang="zh-CN" altLang="en-US"/>
-              <a:t>函数即可，前者对三角形进行旋转，后者对三角形进行平移，推导可自行搜索，难度中等。</a:t>
-            </a:r>
-            <a:endParaRPr lang="zh-CN" altLang="en-US"/>
-          </a:p>
-          <a:p>
-            <a:endParaRPr lang="zh-CN" altLang="en-US"/>
-          </a:p>
-          <a:p>
-            <a:r>
-              <a:rPr lang="zh-CN" altLang="en-US"/>
-              <a:t>第八节内容可以先暂时放弃，这节</a:t>
-            </a:r>
-            <a:r>
-              <a:rPr lang="zh-CN" altLang="en-US">
-                <a:sym typeface="+mn-ea"/>
-              </a:rPr>
-              <a:t>内容基本上涵盖了前八节所有知识</a:t>
-            </a:r>
-            <a:r>
-              <a:rPr lang="zh-CN" altLang="en-US"/>
-              <a:t>，可以等到下学期计算机图形学学习到光照计算后再回来看这节内容。主要代码在</a:t>
-            </a:r>
-            <a:r>
-              <a:rPr lang="en-US" altLang="zh-CN"/>
-              <a:t>Color</a:t>
-            </a:r>
-            <a:r>
-              <a:rPr lang="zh-CN" altLang="en-US"/>
-              <a:t>函数内，我</a:t>
-            </a:r>
-            <a:r>
-              <a:rPr lang="zh-CN" altLang="en-US">
-                <a:sym typeface="+mn-ea"/>
-              </a:rPr>
-              <a:t>已</a:t>
-            </a:r>
-            <a:r>
-              <a:rPr lang="zh-CN" altLang="en-US"/>
-              <a:t>在相应位置做好标记。</a:t>
-            </a:r>
-            <a:endParaRPr lang="zh-CN" altLang="en-US"/>
-          </a:p>
-          <a:p>
+              <a:t>最后一节内容是光照计算，我们假想一个光源，并计算光源对该三角形的影响。</a:t>
+            </a:r>
             <a:endParaRPr lang="zh-CN" altLang="en-US"/>
           </a:p>
         </p:txBody>
@@ -21356,14 +21449,43 @@
       <p:grpSpPr/>
       <p:sp>
         <p:nvSpPr>
-          <p:cNvPr id="2" name="文本框 1"/>
+          <p:cNvPr id="4" name="文本框 3"/>
           <p:cNvSpPr txBox="1"/>
           <p:nvPr/>
         </p:nvSpPr>
         <p:spPr>
           <a:xfrm>
-            <a:off x="834390" y="1357630"/>
-            <a:ext cx="10126345" cy="3692525"/>
+            <a:off x="1316355" y="4959350"/>
+            <a:ext cx="9892665" cy="368300"/>
+          </a:xfrm>
+          <a:prstGeom prst="rect">
+            <a:avLst/>
+          </a:prstGeom>
+          <a:noFill/>
+        </p:spPr>
+        <p:txBody>
+          <a:bodyPr wrap="square" rtlCol="0" anchor="t">
+            <a:spAutoFit/>
+          </a:bodyPr>
+          <a:p>
+            <a:r>
+              <a:rPr lang="zh-CN" altLang="en-US"/>
+              <a:t>https://www.scratchapixel.com/lessons/3d-basic-rendering/rasterization-practical-implementation</a:t>
+            </a:r>
+            <a:endParaRPr lang="zh-CN" altLang="en-US"/>
+          </a:p>
+        </p:txBody>
+      </p:sp>
+      <p:sp>
+        <p:nvSpPr>
+          <p:cNvPr id="5" name="文本框 4"/>
+          <p:cNvSpPr txBox="1"/>
+          <p:nvPr/>
+        </p:nvSpPr>
+        <p:spPr>
+          <a:xfrm>
+            <a:off x="1316355" y="1025525"/>
+            <a:ext cx="9804400" cy="3138170"/>
           </a:xfrm>
           <a:prstGeom prst="rect">
             <a:avLst/>
@@ -21377,6 +21499,166 @@
           <a:p>
             <a:r>
               <a:rPr lang="zh-CN" altLang="en-US"/>
+              <a:t>下面链接的教程涉及到本</a:t>
+            </a:r>
+            <a:r>
+              <a:rPr lang="en-US" altLang="zh-CN"/>
+              <a:t>PPT</a:t>
+            </a:r>
+            <a:r>
+              <a:rPr lang="zh-CN" altLang="en-US"/>
+              <a:t>前</a:t>
+            </a:r>
+            <a:r>
+              <a:rPr lang="en-US" altLang="zh-CN"/>
+              <a:t>5</a:t>
+            </a:r>
+            <a:r>
+              <a:rPr lang="zh-CN" altLang="en-US"/>
+              <a:t>节的内容，并且详细讲述了更细致的一些东西</a:t>
+            </a:r>
+            <a:r>
+              <a:rPr lang="zh-CN"/>
+              <a:t>。</a:t>
+            </a:r>
+            <a:endParaRPr lang="zh-CN" altLang="en-US"/>
+          </a:p>
+          <a:p>
+            <a:endParaRPr lang="zh-CN" altLang="en-US"/>
+          </a:p>
+          <a:p>
+            <a:r>
+              <a:rPr lang="zh-CN" altLang="en-US"/>
+              <a:t>第六节内容我们使用了一个"stb_image.h"头文件，用来读取图片的信息，这一节只需要关注</a:t>
+            </a:r>
+            <a:r>
+              <a:rPr lang="en-US" altLang="zh-CN"/>
+              <a:t>texture</a:t>
+            </a:r>
+            <a:r>
+              <a:rPr lang="zh-CN" altLang="en-US"/>
+              <a:t>函数即可，该函数输入为</a:t>
+            </a:r>
+            <a:r>
+              <a:rPr lang="en-US" altLang="zh-CN"/>
+              <a:t>uv</a:t>
+            </a:r>
+            <a:r>
+              <a:rPr lang="zh-CN" altLang="en-US"/>
+              <a:t>坐标，输出为采样到的像素值，可以直接跳过本节内容。</a:t>
+            </a:r>
+            <a:endParaRPr lang="zh-CN" altLang="en-US"/>
+          </a:p>
+          <a:p>
+            <a:endParaRPr lang="zh-CN" altLang="en-US"/>
+          </a:p>
+          <a:p>
+            <a:r>
+              <a:rPr lang="zh-CN" altLang="en-US"/>
+              <a:t>第七节内容只需要关注</a:t>
+            </a:r>
+            <a:r>
+              <a:rPr lang="en-US" altLang="zh-CN"/>
+              <a:t>rotate</a:t>
+            </a:r>
+            <a:r>
+              <a:rPr lang="zh-CN" altLang="en-US"/>
+              <a:t>和</a:t>
+            </a:r>
+            <a:r>
+              <a:rPr lang="en-US" altLang="zh-CN"/>
+              <a:t>translate</a:t>
+            </a:r>
+            <a:r>
+              <a:rPr lang="zh-CN" altLang="en-US"/>
+              <a:t>函数即可，前者对三角形进行旋转，后者对三角形进行平移，推导可自行搜索，难度中等。</a:t>
+            </a:r>
+            <a:endParaRPr lang="zh-CN" altLang="en-US"/>
+          </a:p>
+          <a:p>
+            <a:endParaRPr lang="zh-CN" altLang="en-US"/>
+          </a:p>
+          <a:p>
+            <a:r>
+              <a:rPr lang="zh-CN" altLang="en-US"/>
+              <a:t>第八节内容可以先暂时放弃，这节</a:t>
+            </a:r>
+            <a:r>
+              <a:rPr lang="zh-CN" altLang="en-US">
+                <a:sym typeface="+mn-ea"/>
+              </a:rPr>
+              <a:t>内容基本上涵盖了前八节所有知识</a:t>
+            </a:r>
+            <a:r>
+              <a:rPr lang="zh-CN" altLang="en-US"/>
+              <a:t>，可以等到下学期计算机图形学学习到光照计算后再回来看这节内容。主要代码在</a:t>
+            </a:r>
+            <a:r>
+              <a:rPr lang="en-US" altLang="zh-CN"/>
+              <a:t>Color</a:t>
+            </a:r>
+            <a:r>
+              <a:rPr lang="zh-CN" altLang="en-US"/>
+              <a:t>函数内，我</a:t>
+            </a:r>
+            <a:r>
+              <a:rPr lang="zh-CN" altLang="en-US">
+                <a:sym typeface="+mn-ea"/>
+              </a:rPr>
+              <a:t>已</a:t>
+            </a:r>
+            <a:r>
+              <a:rPr lang="zh-CN" altLang="en-US"/>
+              <a:t>在相应位置做好标记。</a:t>
+            </a:r>
+            <a:endParaRPr lang="zh-CN" altLang="en-US"/>
+          </a:p>
+          <a:p>
+            <a:endParaRPr lang="zh-CN" altLang="en-US"/>
+          </a:p>
+        </p:txBody>
+      </p:sp>
+    </p:spTree>
+  </p:cSld>
+  <p:clrMapOvr>
+    <a:masterClrMapping/>
+  </p:clrMapOvr>
+</p:sld>
+</file>
+
+<file path=ppt/slides/slide31.xml><?xml version="1.0" encoding="utf-8"?>
+<p:sld xmlns:a="http://schemas.openxmlformats.org/drawingml/2006/main" xmlns:r="http://schemas.openxmlformats.org/officeDocument/2006/relationships" xmlns:p="http://schemas.openxmlformats.org/presentationml/2006/main">
+  <p:cSld>
+    <p:spTree>
+      <p:nvGrpSpPr>
+        <p:cNvPr id="1" name=""/>
+        <p:cNvGrpSpPr/>
+        <p:nvPr/>
+      </p:nvGrpSpPr>
+      <p:grpSpPr/>
+      <p:sp>
+        <p:nvSpPr>
+          <p:cNvPr id="2" name="文本框 1"/>
+          <p:cNvSpPr txBox="1"/>
+          <p:nvPr/>
+        </p:nvSpPr>
+        <p:spPr>
+          <a:xfrm>
+            <a:off x="834390" y="1357630"/>
+            <a:ext cx="10126345" cy="3138170"/>
+          </a:xfrm>
+          <a:prstGeom prst="rect">
+            <a:avLst/>
+          </a:prstGeom>
+          <a:noFill/>
+        </p:spPr>
+        <p:txBody>
+          <a:bodyPr wrap="square" rtlCol="0">
+            <a:spAutoFit/>
+          </a:bodyPr>
+          <a:p>
+            <a:r>
+              <a:rPr lang="zh-CN" altLang="en-US"/>
               <a:t>关于光栅化内容的简述：</a:t>
             </a:r>
             <a:endParaRPr lang="zh-CN" altLang="en-US"/>
@@ -21446,28 +21728,6 @@
             <a:r>
               <a:rPr lang="zh-CN" altLang="en-US"/>
               <a:t>。渲染方面，可能由于渲染领域整体到达了一个瓶颈，感觉做的人比较少。对于物理模拟部分，了解较少，不过游戏引擎中的物理引擎一般是使用现有的引擎，如Havok与PhysX，前者源自英特尔，后者源自英伟达。</a:t>
-            </a:r>
-            <a:endParaRPr lang="zh-CN" altLang="en-US"/>
-          </a:p>
-          <a:p>
-            <a:endParaRPr lang="zh-CN" altLang="en-US"/>
-          </a:p>
-          <a:p>
-            <a:r>
-              <a:rPr lang="zh-CN" altLang="en-US"/>
-              <a:t>最后：</a:t>
-            </a:r>
-            <a:r>
-              <a:rPr lang="en-US" altLang="zh-CN"/>
-              <a:t>CG</a:t>
-            </a:r>
-            <a:r>
-              <a:rPr lang="en-US" altLang="zh-CN"/>
-              <a:t>≠</a:t>
-            </a:r>
-            <a:r>
-              <a:rPr lang="zh-CN" altLang="en-US"/>
-              <a:t>实时渲染</a:t>
             </a:r>
             <a:endParaRPr lang="zh-CN" altLang="en-US"/>
           </a:p>
@@ -23563,6 +23823,20 @@
 <file path=ppt/tags/tag10.xml><?xml version="1.0" encoding="utf-8"?>
 <p:tagLst xmlns:p="http://schemas.openxmlformats.org/presentationml/2006/main">
   <p:tag name="KSO_WM_UNIT_TABLE_BEAUTIFY" val="smartTable{8248646c-9a25-428b-bafa-177414b2a4b1}"/>
+</p:tagLst>
+</file>
+
+<file path=ppt/tags/tag11.xml><?xml version="1.0" encoding="utf-8"?>
+<p:tagLst xmlns:p="http://schemas.openxmlformats.org/presentationml/2006/main">
+  <p:tag name="REFSHAPE" val="512847292"/>
+  <p:tag name="KSO_WM_UNIT_PLACING_PICTURE_USER_VIEWPORT" val="{&quot;height&quot;:5205,&quot;width&quot;:10530}"/>
+</p:tagLst>
+</file>
+
+<file path=ppt/tags/tag12.xml><?xml version="1.0" encoding="utf-8"?>
+<p:tagLst xmlns:p="http://schemas.openxmlformats.org/presentationml/2006/main">
+  <p:tag name="REFSHAPE" val="512847292"/>
+  <p:tag name="KSO_WM_UNIT_PLACING_PICTURE_USER_VIEWPORT" val="{&quot;height&quot;:5205,&quot;width&quot;:10530}"/>
 </p:tagLst>
 </file>
 
